--- a/Semana 3.pptx
+++ b/Semana 3.pptx
@@ -21,6 +21,9 @@
     <p:sldId id="272" r:id="rId15"/>
     <p:sldId id="273" r:id="rId16"/>
     <p:sldId id="274" r:id="rId17"/>
+    <p:sldId id="275" r:id="rId18"/>
+    <p:sldId id="276" r:id="rId19"/>
+    <p:sldId id="277" r:id="rId20"/>
   </p:sldIdLst>
   <p:sldSz cx="9144000" cy="6858000" type="screen4x3"/>
   <p:notesSz cx="6858000" cy="9144000"/>
@@ -310,7 +313,7 @@
           <a:p>
             <a:fld id="{2BD09FA6-5415-4E41-8EC0-843F16C90881}" type="datetimeFigureOut">
               <a:rPr lang="en-US" smtClean="0"/>
-              <a:t>1/30/2018</a:t>
+              <a:t>2/3/2018</a:t>
             </a:fld>
             <a:endParaRPr lang="en-US"/>
           </a:p>
@@ -510,7 +513,7 @@
           <a:p>
             <a:fld id="{2BD09FA6-5415-4E41-8EC0-843F16C90881}" type="datetimeFigureOut">
               <a:rPr lang="en-US" smtClean="0"/>
-              <a:t>1/30/2018</a:t>
+              <a:t>2/3/2018</a:t>
             </a:fld>
             <a:endParaRPr lang="en-US"/>
           </a:p>
@@ -685,7 +688,7 @@
           <a:p>
             <a:fld id="{2BD09FA6-5415-4E41-8EC0-843F16C90881}" type="datetimeFigureOut">
               <a:rPr lang="en-US" smtClean="0"/>
-              <a:t>1/30/2018</a:t>
+              <a:t>2/3/2018</a:t>
             </a:fld>
             <a:endParaRPr lang="en-US"/>
           </a:p>
@@ -850,7 +853,7 @@
           <a:p>
             <a:fld id="{2BD09FA6-5415-4E41-8EC0-843F16C90881}" type="datetimeFigureOut">
               <a:rPr lang="en-US" smtClean="0"/>
-              <a:t>1/30/2018</a:t>
+              <a:t>2/3/2018</a:t>
             </a:fld>
             <a:endParaRPr lang="en-US"/>
           </a:p>
@@ -1098,7 +1101,7 @@
           <a:p>
             <a:fld id="{2BD09FA6-5415-4E41-8EC0-843F16C90881}" type="datetimeFigureOut">
               <a:rPr lang="en-US" smtClean="0"/>
-              <a:t>1/30/2018</a:t>
+              <a:t>2/3/2018</a:t>
             </a:fld>
             <a:endParaRPr lang="en-US"/>
           </a:p>
@@ -1416,7 +1419,7 @@
           <a:p>
             <a:fld id="{2BD09FA6-5415-4E41-8EC0-843F16C90881}" type="datetimeFigureOut">
               <a:rPr lang="en-US" smtClean="0"/>
-              <a:t>1/30/2018</a:t>
+              <a:t>2/3/2018</a:t>
             </a:fld>
             <a:endParaRPr lang="en-US"/>
           </a:p>
@@ -1882,7 +1885,7 @@
           <a:p>
             <a:fld id="{2BD09FA6-5415-4E41-8EC0-843F16C90881}" type="datetimeFigureOut">
               <a:rPr lang="en-US" smtClean="0"/>
-              <a:t>1/30/2018</a:t>
+              <a:t>2/3/2018</a:t>
             </a:fld>
             <a:endParaRPr lang="en-US"/>
           </a:p>
@@ -2030,7 +2033,7 @@
           <a:p>
             <a:fld id="{2BD09FA6-5415-4E41-8EC0-843F16C90881}" type="datetimeFigureOut">
               <a:rPr lang="en-US" smtClean="0"/>
-              <a:t>1/30/2018</a:t>
+              <a:t>2/3/2018</a:t>
             </a:fld>
             <a:endParaRPr lang="en-US"/>
           </a:p>
@@ -2120,7 +2123,7 @@
           <a:p>
             <a:fld id="{2BD09FA6-5415-4E41-8EC0-843F16C90881}" type="datetimeFigureOut">
               <a:rPr lang="en-US" smtClean="0"/>
-              <a:t>1/30/2018</a:t>
+              <a:t>2/3/2018</a:t>
             </a:fld>
             <a:endParaRPr lang="en-US"/>
           </a:p>
@@ -2394,7 +2397,7 @@
           <a:p>
             <a:fld id="{2BD09FA6-5415-4E41-8EC0-843F16C90881}" type="datetimeFigureOut">
               <a:rPr lang="en-US" smtClean="0"/>
-              <a:t>1/30/2018</a:t>
+              <a:t>2/3/2018</a:t>
             </a:fld>
             <a:endParaRPr lang="en-US"/>
           </a:p>
@@ -2699,7 +2702,7 @@
           <a:p>
             <a:fld id="{2BD09FA6-5415-4E41-8EC0-843F16C90881}" type="datetimeFigureOut">
               <a:rPr lang="en-US" smtClean="0"/>
-              <a:t>1/30/2018</a:t>
+              <a:t>2/3/2018</a:t>
             </a:fld>
             <a:endParaRPr lang="en-US"/>
           </a:p>
@@ -2997,7 +3000,7 @@
           <a:p>
             <a:fld id="{2BD09FA6-5415-4E41-8EC0-843F16C90881}" type="datetimeFigureOut">
               <a:rPr lang="en-US" smtClean="0"/>
-              <a:t>1/30/2018</a:t>
+              <a:t>2/3/2018</a:t>
             </a:fld>
             <a:endParaRPr lang="en-US"/>
           </a:p>
@@ -3421,7 +3424,6 @@
               <a:rPr lang="en-US" dirty="0"/>
               <a:t>3</a:t>
             </a:r>
-            <a:endParaRPr lang="en-US" dirty="0"/>
           </a:p>
         </p:txBody>
       </p:sp>
@@ -5320,6 +5322,1184 @@
     <p:extLst>
       <p:ext uri="{BB962C8B-B14F-4D97-AF65-F5344CB8AC3E}">
         <p14:creationId xmlns:p14="http://schemas.microsoft.com/office/powerpoint/2010/main" val="3042866983"/>
+      </p:ext>
+    </p:extLst>
+  </p:cSld>
+  <p:clrMapOvr>
+    <a:masterClrMapping/>
+  </p:clrMapOvr>
+  <p:timing>
+    <p:tnLst>
+      <p:par>
+        <p:cTn id="1" dur="indefinite" restart="never" nodeType="tmRoot"/>
+      </p:par>
+    </p:tnLst>
+  </p:timing>
+</p:sld>
+</file>
+
+<file path=ppt/slides/slide17.xml><?xml version="1.0" encoding="utf-8"?>
+<p:sld xmlns:a="http://schemas.openxmlformats.org/drawingml/2006/main" xmlns:r="http://schemas.openxmlformats.org/officeDocument/2006/relationships" xmlns:p="http://schemas.openxmlformats.org/presentationml/2006/main">
+  <p:cSld>
+    <p:spTree>
+      <p:nvGrpSpPr>
+        <p:cNvPr id="1" name=""/>
+        <p:cNvGrpSpPr/>
+        <p:nvPr/>
+      </p:nvGrpSpPr>
+      <p:grpSpPr>
+        <a:xfrm>
+          <a:off x="0" y="0"/>
+          <a:ext cx="0" cy="0"/>
+          <a:chOff x="0" y="0"/>
+          <a:chExt cx="0" cy="0"/>
+        </a:xfrm>
+      </p:grpSpPr>
+      <p:sp>
+        <p:nvSpPr>
+          <p:cNvPr id="2" name="Title 1"/>
+          <p:cNvSpPr>
+            <a:spLocks noGrp="1"/>
+          </p:cNvSpPr>
+          <p:nvPr>
+            <p:ph type="title"/>
+          </p:nvPr>
+        </p:nvSpPr>
+        <p:spPr/>
+        <p:txBody>
+          <a:bodyPr>
+            <a:normAutofit fontScale="90000"/>
+          </a:bodyPr>
+          <a:lstStyle/>
+          <a:p>
+            <a:r>
+              <a:rPr lang="en-US" dirty="0" err="1" smtClean="0"/>
+              <a:t>Diagrama</a:t>
+            </a:r>
+            <a:r>
+              <a:rPr lang="en-US" dirty="0" smtClean="0"/>
+              <a:t> de </a:t>
+            </a:r>
+            <a:r>
+              <a:rPr lang="en-US" dirty="0" err="1" smtClean="0"/>
+              <a:t>flujo</a:t>
+            </a:r>
+            <a:r>
+              <a:rPr lang="en-US" dirty="0" smtClean="0"/>
+              <a:t> y </a:t>
+            </a:r>
+            <a:r>
+              <a:rPr lang="en-US" dirty="0" err="1" smtClean="0"/>
+              <a:t>pensamiento</a:t>
+            </a:r>
+            <a:r>
+              <a:rPr lang="en-US" dirty="0" smtClean="0"/>
+              <a:t> </a:t>
+            </a:r>
+            <a:r>
+              <a:rPr lang="en-US" dirty="0" err="1" smtClean="0"/>
+              <a:t>lógico</a:t>
+            </a:r>
+            <a:endParaRPr lang="en-US" dirty="0"/>
+          </a:p>
+        </p:txBody>
+      </p:sp>
+      <p:sp>
+        <p:nvSpPr>
+          <p:cNvPr id="3" name="Content Placeholder 2"/>
+          <p:cNvSpPr>
+            <a:spLocks noGrp="1"/>
+          </p:cNvSpPr>
+          <p:nvPr>
+            <p:ph idx="1"/>
+          </p:nvPr>
+        </p:nvSpPr>
+        <p:spPr/>
+        <p:txBody>
+          <a:bodyPr/>
+          <a:lstStyle/>
+          <a:p>
+            <a:r>
+              <a:rPr lang="en-US" dirty="0" err="1" smtClean="0"/>
+              <a:t>Ejercicio</a:t>
+            </a:r>
+            <a:r>
+              <a:rPr lang="en-US" dirty="0" smtClean="0"/>
+              <a:t> </a:t>
+            </a:r>
+            <a:r>
+              <a:rPr lang="en-US" dirty="0"/>
+              <a:t>5</a:t>
+            </a:r>
+            <a:endParaRPr lang="en-US" dirty="0" smtClean="0"/>
+          </a:p>
+          <a:p>
+            <a:pPr lvl="1"/>
+            <a:r>
+              <a:rPr lang="en-US" dirty="0" smtClean="0"/>
+              <a:t>Cree un </a:t>
+            </a:r>
+            <a:r>
+              <a:rPr lang="en-US" dirty="0" err="1" smtClean="0"/>
+              <a:t>algoritmo</a:t>
+            </a:r>
+            <a:r>
+              <a:rPr lang="en-US" dirty="0" smtClean="0"/>
+              <a:t> </a:t>
+            </a:r>
+            <a:r>
+              <a:rPr lang="en-US" dirty="0" err="1" smtClean="0"/>
+              <a:t>que</a:t>
+            </a:r>
+            <a:r>
+              <a:rPr lang="en-US" dirty="0"/>
+              <a:t> </a:t>
+            </a:r>
+            <a:r>
+              <a:rPr lang="en-US" dirty="0" err="1" smtClean="0"/>
+              <a:t>defina</a:t>
+            </a:r>
+            <a:r>
+              <a:rPr lang="en-US" dirty="0" smtClean="0"/>
+              <a:t> </a:t>
+            </a:r>
+            <a:r>
+              <a:rPr lang="en-US" dirty="0" err="1"/>
+              <a:t>si</a:t>
+            </a:r>
+            <a:r>
+              <a:rPr lang="en-US" dirty="0"/>
+              <a:t> un </a:t>
+            </a:r>
+            <a:r>
+              <a:rPr lang="en-US" dirty="0" err="1"/>
+              <a:t>número</a:t>
+            </a:r>
+            <a:r>
+              <a:rPr lang="en-US" dirty="0"/>
+              <a:t> </a:t>
+            </a:r>
+            <a:r>
+              <a:rPr lang="en-US" dirty="0" err="1"/>
+              <a:t>entero</a:t>
+            </a:r>
+            <a:r>
+              <a:rPr lang="en-US" dirty="0"/>
+              <a:t> dado </a:t>
+            </a:r>
+            <a:r>
+              <a:rPr lang="en-US" dirty="0" err="1"/>
+              <a:t>es</a:t>
+            </a:r>
+            <a:r>
+              <a:rPr lang="en-US" dirty="0"/>
+              <a:t> el </a:t>
+            </a:r>
+            <a:r>
+              <a:rPr lang="en-US" dirty="0" err="1"/>
+              <a:t>resultado</a:t>
+            </a:r>
+            <a:r>
+              <a:rPr lang="en-US" dirty="0"/>
+              <a:t> de </a:t>
+            </a:r>
+            <a:r>
+              <a:rPr lang="en-US" dirty="0" err="1"/>
+              <a:t>multiplicar</a:t>
+            </a:r>
+            <a:r>
+              <a:rPr lang="en-US" dirty="0"/>
+              <a:t> un </a:t>
+            </a:r>
+            <a:r>
+              <a:rPr lang="en-US" dirty="0" err="1"/>
+              <a:t>numero</a:t>
+            </a:r>
+            <a:r>
+              <a:rPr lang="en-US" dirty="0"/>
+              <a:t> </a:t>
+            </a:r>
+            <a:r>
+              <a:rPr lang="en-US" dirty="0" err="1"/>
+              <a:t>impar</a:t>
+            </a:r>
+            <a:r>
+              <a:rPr lang="en-US" dirty="0"/>
+              <a:t> </a:t>
+            </a:r>
+            <a:r>
+              <a:rPr lang="en-US" dirty="0" err="1"/>
+              <a:t>por</a:t>
+            </a:r>
+            <a:r>
+              <a:rPr lang="en-US" dirty="0"/>
+              <a:t> dos. </a:t>
+            </a:r>
+            <a:r>
+              <a:rPr lang="en-US" dirty="0" err="1"/>
+              <a:t>Por</a:t>
+            </a:r>
+            <a:r>
+              <a:rPr lang="en-US" dirty="0"/>
+              <a:t> </a:t>
+            </a:r>
+            <a:r>
+              <a:rPr lang="en-US" dirty="0" err="1"/>
+              <a:t>ejemplo</a:t>
+            </a:r>
+            <a:r>
+              <a:rPr lang="en-US" dirty="0"/>
+              <a:t> 14 </a:t>
+            </a:r>
+            <a:r>
+              <a:rPr lang="en-US" dirty="0" err="1"/>
+              <a:t>es</a:t>
+            </a:r>
+            <a:r>
+              <a:rPr lang="en-US" dirty="0"/>
+              <a:t> el </a:t>
+            </a:r>
+            <a:r>
+              <a:rPr lang="en-US" dirty="0" err="1"/>
+              <a:t>resultado</a:t>
+            </a:r>
+            <a:r>
+              <a:rPr lang="en-US" dirty="0"/>
+              <a:t> de </a:t>
+            </a:r>
+            <a:r>
+              <a:rPr lang="en-US" dirty="0" err="1"/>
+              <a:t>multiplicar</a:t>
+            </a:r>
+            <a:r>
+              <a:rPr lang="en-US" dirty="0"/>
+              <a:t> 7 * 2. En </a:t>
+            </a:r>
+            <a:r>
+              <a:rPr lang="en-US" dirty="0" err="1"/>
+              <a:t>caso</a:t>
+            </a:r>
+            <a:r>
+              <a:rPr lang="en-US" dirty="0"/>
+              <a:t> de </a:t>
+            </a:r>
+            <a:r>
+              <a:rPr lang="en-US" dirty="0" err="1"/>
+              <a:t>que</a:t>
+            </a:r>
+            <a:r>
+              <a:rPr lang="en-US" dirty="0"/>
+              <a:t> </a:t>
+            </a:r>
+            <a:r>
+              <a:rPr lang="en-US" dirty="0" err="1"/>
+              <a:t>esta</a:t>
+            </a:r>
+            <a:r>
+              <a:rPr lang="en-US" dirty="0"/>
+              <a:t> </a:t>
+            </a:r>
+            <a:r>
+              <a:rPr lang="en-US" dirty="0" err="1"/>
+              <a:t>condición</a:t>
+            </a:r>
+            <a:r>
+              <a:rPr lang="en-US" dirty="0"/>
+              <a:t> se </a:t>
+            </a:r>
+            <a:r>
+              <a:rPr lang="en-US" dirty="0" err="1"/>
+              <a:t>cumpla</a:t>
+            </a:r>
+            <a:r>
+              <a:rPr lang="en-US" dirty="0"/>
+              <a:t>, </a:t>
+            </a:r>
+            <a:r>
+              <a:rPr lang="en-US" dirty="0" err="1"/>
+              <a:t>debe</a:t>
+            </a:r>
+            <a:r>
+              <a:rPr lang="en-US" dirty="0"/>
+              <a:t> </a:t>
+            </a:r>
+            <a:r>
+              <a:rPr lang="en-US" dirty="0" err="1"/>
+              <a:t>imprimirlo</a:t>
+            </a:r>
+            <a:r>
+              <a:rPr lang="en-US" dirty="0"/>
+              <a:t>. </a:t>
+            </a:r>
+          </a:p>
+          <a:p>
+            <a:pPr lvl="1"/>
+            <a:endParaRPr lang="en-US" dirty="0" smtClean="0"/>
+          </a:p>
+          <a:p>
+            <a:pPr lvl="1"/>
+            <a:r>
+              <a:rPr lang="es-ES" dirty="0" smtClean="0"/>
+              <a:t>Dibuje </a:t>
+            </a:r>
+            <a:r>
+              <a:rPr lang="es-ES" dirty="0"/>
+              <a:t>el diagrama de flujo que represente este algoritmo</a:t>
+            </a:r>
+          </a:p>
+          <a:p>
+            <a:pPr lvl="1"/>
+            <a:endParaRPr lang="en-US" dirty="0" smtClean="0"/>
+          </a:p>
+        </p:txBody>
+      </p:sp>
+    </p:spTree>
+    <p:extLst>
+      <p:ext uri="{BB962C8B-B14F-4D97-AF65-F5344CB8AC3E}">
+        <p14:creationId xmlns:p14="http://schemas.microsoft.com/office/powerpoint/2010/main" val="4147103735"/>
+      </p:ext>
+    </p:extLst>
+  </p:cSld>
+  <p:clrMapOvr>
+    <a:masterClrMapping/>
+  </p:clrMapOvr>
+  <p:timing>
+    <p:tnLst>
+      <p:par>
+        <p:cTn id="1" dur="indefinite" restart="never" nodeType="tmRoot"/>
+      </p:par>
+    </p:tnLst>
+  </p:timing>
+</p:sld>
+</file>
+
+<file path=ppt/slides/slide18.xml><?xml version="1.0" encoding="utf-8"?>
+<p:sld xmlns:a="http://schemas.openxmlformats.org/drawingml/2006/main" xmlns:r="http://schemas.openxmlformats.org/officeDocument/2006/relationships" xmlns:p="http://schemas.openxmlformats.org/presentationml/2006/main">
+  <p:cSld>
+    <p:spTree>
+      <p:nvGrpSpPr>
+        <p:cNvPr id="1" name=""/>
+        <p:cNvGrpSpPr/>
+        <p:nvPr/>
+      </p:nvGrpSpPr>
+      <p:grpSpPr>
+        <a:xfrm>
+          <a:off x="0" y="0"/>
+          <a:ext cx="0" cy="0"/>
+          <a:chOff x="0" y="0"/>
+          <a:chExt cx="0" cy="0"/>
+        </a:xfrm>
+      </p:grpSpPr>
+      <p:sp>
+        <p:nvSpPr>
+          <p:cNvPr id="2" name="Title 1"/>
+          <p:cNvSpPr>
+            <a:spLocks noGrp="1"/>
+          </p:cNvSpPr>
+          <p:nvPr>
+            <p:ph type="title"/>
+          </p:nvPr>
+        </p:nvSpPr>
+        <p:spPr/>
+        <p:txBody>
+          <a:bodyPr>
+            <a:normAutofit fontScale="90000"/>
+          </a:bodyPr>
+          <a:lstStyle/>
+          <a:p>
+            <a:r>
+              <a:rPr lang="en-US" dirty="0" err="1" smtClean="0"/>
+              <a:t>Diagrama</a:t>
+            </a:r>
+            <a:r>
+              <a:rPr lang="en-US" dirty="0" smtClean="0"/>
+              <a:t> de </a:t>
+            </a:r>
+            <a:r>
+              <a:rPr lang="en-US" dirty="0" err="1" smtClean="0"/>
+              <a:t>flujo</a:t>
+            </a:r>
+            <a:r>
+              <a:rPr lang="en-US" dirty="0" smtClean="0"/>
+              <a:t> y </a:t>
+            </a:r>
+            <a:r>
+              <a:rPr lang="en-US" dirty="0" err="1" smtClean="0"/>
+              <a:t>pensamiento</a:t>
+            </a:r>
+            <a:r>
+              <a:rPr lang="en-US" dirty="0" smtClean="0"/>
+              <a:t> </a:t>
+            </a:r>
+            <a:r>
+              <a:rPr lang="en-US" dirty="0" err="1" smtClean="0"/>
+              <a:t>lógico</a:t>
+            </a:r>
+            <a:endParaRPr lang="en-US" dirty="0"/>
+          </a:p>
+        </p:txBody>
+      </p:sp>
+      <p:sp>
+        <p:nvSpPr>
+          <p:cNvPr id="3" name="Content Placeholder 2"/>
+          <p:cNvSpPr>
+            <a:spLocks noGrp="1"/>
+          </p:cNvSpPr>
+          <p:nvPr>
+            <p:ph idx="1"/>
+          </p:nvPr>
+        </p:nvSpPr>
+        <p:spPr/>
+        <p:txBody>
+          <a:bodyPr/>
+          <a:lstStyle/>
+          <a:p>
+            <a:r>
+              <a:rPr lang="en-US" dirty="0" err="1" smtClean="0"/>
+              <a:t>Ejercicio</a:t>
+            </a:r>
+            <a:r>
+              <a:rPr lang="en-US" dirty="0" smtClean="0"/>
+              <a:t> </a:t>
+            </a:r>
+            <a:r>
+              <a:rPr lang="en-US" dirty="0"/>
+              <a:t>6</a:t>
+            </a:r>
+            <a:endParaRPr lang="en-US" dirty="0" smtClean="0"/>
+          </a:p>
+          <a:p>
+            <a:pPr lvl="1"/>
+            <a:r>
+              <a:rPr lang="en-US" dirty="0" smtClean="0"/>
+              <a:t>Cree un </a:t>
+            </a:r>
+            <a:r>
+              <a:rPr lang="en-US" dirty="0" err="1" smtClean="0"/>
+              <a:t>algoritmo</a:t>
+            </a:r>
+            <a:r>
+              <a:rPr lang="en-US" dirty="0"/>
+              <a:t> </a:t>
+            </a:r>
+            <a:r>
+              <a:rPr lang="en-US" dirty="0" err="1" smtClean="0"/>
+              <a:t>que</a:t>
+            </a:r>
+            <a:r>
+              <a:rPr lang="en-US" dirty="0" smtClean="0"/>
+              <a:t> </a:t>
+            </a:r>
+            <a:r>
+              <a:rPr lang="en-US" dirty="0" err="1"/>
+              <a:t>reciba</a:t>
+            </a:r>
+            <a:r>
+              <a:rPr lang="en-US" dirty="0"/>
+              <a:t> </a:t>
+            </a:r>
+            <a:r>
+              <a:rPr lang="en-US" dirty="0" err="1"/>
+              <a:t>una</a:t>
+            </a:r>
+            <a:r>
+              <a:rPr lang="en-US" dirty="0"/>
+              <a:t> </a:t>
+            </a:r>
+            <a:r>
+              <a:rPr lang="en-US" dirty="0" err="1"/>
+              <a:t>cantidad</a:t>
+            </a:r>
+            <a:r>
+              <a:rPr lang="en-US" dirty="0"/>
+              <a:t> en </a:t>
+            </a:r>
+            <a:r>
+              <a:rPr lang="en-US" dirty="0" err="1"/>
+              <a:t>días</a:t>
+            </a:r>
+            <a:r>
+              <a:rPr lang="en-US" dirty="0"/>
+              <a:t> y </a:t>
+            </a:r>
+            <a:r>
+              <a:rPr lang="en-US" dirty="0" err="1"/>
+              <a:t>despliegue</a:t>
+            </a:r>
+            <a:r>
+              <a:rPr lang="en-US" dirty="0"/>
+              <a:t> </a:t>
+            </a:r>
+            <a:r>
+              <a:rPr lang="en-US" dirty="0" err="1"/>
+              <a:t>su</a:t>
+            </a:r>
+            <a:r>
+              <a:rPr lang="en-US" dirty="0"/>
+              <a:t> </a:t>
+            </a:r>
+            <a:r>
+              <a:rPr lang="en-US" dirty="0" err="1"/>
+              <a:t>equivalente</a:t>
+            </a:r>
+            <a:r>
+              <a:rPr lang="en-US" dirty="0"/>
+              <a:t> en </a:t>
+            </a:r>
+            <a:r>
+              <a:rPr lang="en-US" dirty="0" err="1"/>
+              <a:t>segundos</a:t>
+            </a:r>
+            <a:r>
+              <a:rPr lang="en-US" dirty="0"/>
+              <a:t>. </a:t>
+            </a:r>
+          </a:p>
+          <a:p>
+            <a:pPr lvl="1"/>
+            <a:endParaRPr lang="en-US" dirty="0" smtClean="0"/>
+          </a:p>
+          <a:p>
+            <a:pPr lvl="1"/>
+            <a:r>
+              <a:rPr lang="es-ES" dirty="0" smtClean="0"/>
+              <a:t>Dibuje </a:t>
+            </a:r>
+            <a:r>
+              <a:rPr lang="es-ES" dirty="0"/>
+              <a:t>el diagrama de flujo que represente este algoritmo</a:t>
+            </a:r>
+          </a:p>
+          <a:p>
+            <a:pPr lvl="1"/>
+            <a:endParaRPr lang="en-US" dirty="0" smtClean="0"/>
+          </a:p>
+        </p:txBody>
+      </p:sp>
+    </p:spTree>
+    <p:extLst>
+      <p:ext uri="{BB962C8B-B14F-4D97-AF65-F5344CB8AC3E}">
+        <p14:creationId xmlns:p14="http://schemas.microsoft.com/office/powerpoint/2010/main" val="4017456237"/>
+      </p:ext>
+    </p:extLst>
+  </p:cSld>
+  <p:clrMapOvr>
+    <a:masterClrMapping/>
+  </p:clrMapOvr>
+  <p:timing>
+    <p:tnLst>
+      <p:par>
+        <p:cTn id="1" dur="indefinite" restart="never" nodeType="tmRoot"/>
+      </p:par>
+    </p:tnLst>
+  </p:timing>
+</p:sld>
+</file>
+
+<file path=ppt/slides/slide19.xml><?xml version="1.0" encoding="utf-8"?>
+<p:sld xmlns:a="http://schemas.openxmlformats.org/drawingml/2006/main" xmlns:r="http://schemas.openxmlformats.org/officeDocument/2006/relationships" xmlns:p="http://schemas.openxmlformats.org/presentationml/2006/main">
+  <p:cSld>
+    <p:spTree>
+      <p:nvGrpSpPr>
+        <p:cNvPr id="1" name=""/>
+        <p:cNvGrpSpPr/>
+        <p:nvPr/>
+      </p:nvGrpSpPr>
+      <p:grpSpPr>
+        <a:xfrm>
+          <a:off x="0" y="0"/>
+          <a:ext cx="0" cy="0"/>
+          <a:chOff x="0" y="0"/>
+          <a:chExt cx="0" cy="0"/>
+        </a:xfrm>
+      </p:grpSpPr>
+      <p:sp>
+        <p:nvSpPr>
+          <p:cNvPr id="2" name="Title 1"/>
+          <p:cNvSpPr>
+            <a:spLocks noGrp="1"/>
+          </p:cNvSpPr>
+          <p:nvPr>
+            <p:ph type="title"/>
+          </p:nvPr>
+        </p:nvSpPr>
+        <p:spPr/>
+        <p:txBody>
+          <a:bodyPr>
+            <a:normAutofit fontScale="90000"/>
+          </a:bodyPr>
+          <a:lstStyle/>
+          <a:p>
+            <a:r>
+              <a:rPr lang="en-US" dirty="0" err="1" smtClean="0"/>
+              <a:t>Diagrama</a:t>
+            </a:r>
+            <a:r>
+              <a:rPr lang="en-US" dirty="0" smtClean="0"/>
+              <a:t> de </a:t>
+            </a:r>
+            <a:r>
+              <a:rPr lang="en-US" dirty="0" err="1" smtClean="0"/>
+              <a:t>flujo</a:t>
+            </a:r>
+            <a:r>
+              <a:rPr lang="en-US" dirty="0" smtClean="0"/>
+              <a:t> y </a:t>
+            </a:r>
+            <a:r>
+              <a:rPr lang="en-US" dirty="0" err="1" smtClean="0"/>
+              <a:t>pensamiento</a:t>
+            </a:r>
+            <a:r>
+              <a:rPr lang="en-US" dirty="0" smtClean="0"/>
+              <a:t> </a:t>
+            </a:r>
+            <a:r>
+              <a:rPr lang="en-US" dirty="0" err="1" smtClean="0"/>
+              <a:t>lógico</a:t>
+            </a:r>
+            <a:endParaRPr lang="en-US" dirty="0"/>
+          </a:p>
+        </p:txBody>
+      </p:sp>
+      <p:sp>
+        <p:nvSpPr>
+          <p:cNvPr id="3" name="Content Placeholder 2"/>
+          <p:cNvSpPr>
+            <a:spLocks noGrp="1"/>
+          </p:cNvSpPr>
+          <p:nvPr>
+            <p:ph idx="1"/>
+          </p:nvPr>
+        </p:nvSpPr>
+        <p:spPr/>
+        <p:txBody>
+          <a:bodyPr/>
+          <a:lstStyle/>
+          <a:p>
+            <a:r>
+              <a:rPr lang="en-US" dirty="0" err="1" smtClean="0"/>
+              <a:t>Ejercicio</a:t>
+            </a:r>
+            <a:r>
+              <a:rPr lang="en-US" dirty="0" smtClean="0"/>
+              <a:t> </a:t>
+            </a:r>
+            <a:r>
+              <a:rPr lang="en-US" dirty="0"/>
+              <a:t>7</a:t>
+            </a:r>
+            <a:endParaRPr lang="en-US" dirty="0" smtClean="0"/>
+          </a:p>
+          <a:p>
+            <a:pPr lvl="1"/>
+            <a:r>
+              <a:rPr lang="en-US" dirty="0" smtClean="0"/>
+              <a:t>Cree un </a:t>
+            </a:r>
+            <a:r>
+              <a:rPr lang="en-US" dirty="0" err="1" smtClean="0"/>
+              <a:t>algoritmo</a:t>
+            </a:r>
+            <a:r>
+              <a:rPr lang="en-US" dirty="0"/>
+              <a:t> </a:t>
+            </a:r>
+            <a:r>
+              <a:rPr lang="en-US" dirty="0" err="1" smtClean="0"/>
+              <a:t>que</a:t>
+            </a:r>
+            <a:r>
+              <a:rPr lang="en-US" dirty="0" smtClean="0"/>
+              <a:t> </a:t>
+            </a:r>
+            <a:r>
+              <a:rPr lang="en-US" dirty="0" err="1" smtClean="0"/>
+              <a:t>que</a:t>
+            </a:r>
+            <a:r>
+              <a:rPr lang="en-US" dirty="0" smtClean="0"/>
+              <a:t> </a:t>
+            </a:r>
+            <a:r>
+              <a:rPr lang="en-US" dirty="0"/>
+              <a:t>le </a:t>
+            </a:r>
+            <a:r>
+              <a:rPr lang="en-US" dirty="0" err="1"/>
+              <a:t>muestre</a:t>
+            </a:r>
+            <a:r>
+              <a:rPr lang="en-US" dirty="0"/>
+              <a:t> un </a:t>
+            </a:r>
+            <a:r>
+              <a:rPr lang="en-US" dirty="0" err="1"/>
+              <a:t>menú</a:t>
+            </a:r>
+            <a:r>
+              <a:rPr lang="en-US" dirty="0"/>
+              <a:t> con </a:t>
+            </a:r>
+            <a:r>
+              <a:rPr lang="en-US" dirty="0" err="1"/>
+              <a:t>opciones</a:t>
+            </a:r>
+            <a:r>
+              <a:rPr lang="en-US" dirty="0"/>
+              <a:t> de </a:t>
+            </a:r>
+            <a:r>
+              <a:rPr lang="en-US" dirty="0" err="1"/>
+              <a:t>figuras</a:t>
+            </a:r>
+            <a:r>
+              <a:rPr lang="en-US" dirty="0"/>
+              <a:t>, </a:t>
+            </a:r>
+            <a:r>
+              <a:rPr lang="en-US" dirty="0" err="1"/>
+              <a:t>cuadrado</a:t>
+            </a:r>
+            <a:r>
+              <a:rPr lang="en-US" dirty="0"/>
+              <a:t>, </a:t>
+            </a:r>
+            <a:r>
+              <a:rPr lang="en-US" dirty="0" err="1"/>
+              <a:t>triángulo</a:t>
+            </a:r>
+            <a:r>
+              <a:rPr lang="en-US" dirty="0"/>
+              <a:t> o </a:t>
+            </a:r>
+            <a:r>
+              <a:rPr lang="en-US" dirty="0" err="1"/>
+              <a:t>círculo</a:t>
+            </a:r>
+            <a:r>
+              <a:rPr lang="en-US" dirty="0"/>
+              <a:t>. </a:t>
+            </a:r>
+            <a:r>
+              <a:rPr lang="en-US" dirty="0" err="1"/>
+              <a:t>Una</a:t>
+            </a:r>
+            <a:r>
+              <a:rPr lang="en-US" dirty="0"/>
+              <a:t> </a:t>
+            </a:r>
+            <a:r>
+              <a:rPr lang="en-US" dirty="0" err="1"/>
+              <a:t>vez</a:t>
+            </a:r>
+            <a:r>
+              <a:rPr lang="en-US" dirty="0"/>
+              <a:t> </a:t>
+            </a:r>
+            <a:r>
+              <a:rPr lang="en-US" dirty="0" err="1"/>
+              <a:t>que</a:t>
+            </a:r>
+            <a:r>
+              <a:rPr lang="en-US" dirty="0"/>
+              <a:t> el </a:t>
+            </a:r>
+            <a:r>
+              <a:rPr lang="en-US" dirty="0" err="1"/>
+              <a:t>usuario</a:t>
+            </a:r>
+            <a:r>
+              <a:rPr lang="en-US" dirty="0"/>
+              <a:t> </a:t>
+            </a:r>
+            <a:r>
+              <a:rPr lang="en-US" dirty="0" err="1"/>
+              <a:t>escoja</a:t>
+            </a:r>
+            <a:r>
+              <a:rPr lang="en-US" dirty="0"/>
+              <a:t> la </a:t>
+            </a:r>
+            <a:r>
+              <a:rPr lang="en-US" dirty="0" err="1"/>
+              <a:t>figura</a:t>
+            </a:r>
+            <a:r>
+              <a:rPr lang="en-US" dirty="0"/>
+              <a:t>, se le </a:t>
+            </a:r>
+            <a:r>
+              <a:rPr lang="en-US" dirty="0" err="1"/>
+              <a:t>pregunta</a:t>
+            </a:r>
+            <a:r>
+              <a:rPr lang="en-US" dirty="0"/>
+              <a:t> </a:t>
+            </a:r>
+            <a:r>
+              <a:rPr lang="en-US" dirty="0" err="1"/>
+              <a:t>si</a:t>
+            </a:r>
+            <a:r>
+              <a:rPr lang="en-US" dirty="0"/>
+              <a:t> </a:t>
+            </a:r>
+            <a:r>
+              <a:rPr lang="en-US" dirty="0" err="1"/>
+              <a:t>desea</a:t>
+            </a:r>
+            <a:r>
+              <a:rPr lang="en-US" dirty="0"/>
+              <a:t> </a:t>
+            </a:r>
+            <a:r>
+              <a:rPr lang="en-US" dirty="0" err="1"/>
+              <a:t>calcular</a:t>
+            </a:r>
+            <a:r>
+              <a:rPr lang="en-US" dirty="0"/>
+              <a:t> el </a:t>
+            </a:r>
+            <a:r>
+              <a:rPr lang="en-US" dirty="0" err="1"/>
+              <a:t>perímetro</a:t>
+            </a:r>
+            <a:r>
+              <a:rPr lang="en-US" dirty="0"/>
+              <a:t> o el </a:t>
+            </a:r>
+            <a:r>
+              <a:rPr lang="en-US" dirty="0" err="1"/>
+              <a:t>área</a:t>
+            </a:r>
+            <a:r>
+              <a:rPr lang="en-US" dirty="0"/>
+              <a:t>. En </a:t>
+            </a:r>
+            <a:r>
+              <a:rPr lang="en-US" dirty="0" err="1"/>
+              <a:t>caso</a:t>
+            </a:r>
+            <a:r>
+              <a:rPr lang="en-US" dirty="0"/>
+              <a:t> de </a:t>
+            </a:r>
+            <a:r>
+              <a:rPr lang="en-US" dirty="0" err="1"/>
+              <a:t>escoger</a:t>
+            </a:r>
+            <a:r>
+              <a:rPr lang="en-US" dirty="0"/>
+              <a:t> area se le </a:t>
+            </a:r>
+            <a:r>
+              <a:rPr lang="en-US" dirty="0" err="1"/>
+              <a:t>pide</a:t>
+            </a:r>
+            <a:r>
+              <a:rPr lang="en-US" dirty="0"/>
+              <a:t> </a:t>
+            </a:r>
+            <a:r>
+              <a:rPr lang="en-US" dirty="0" err="1"/>
+              <a:t>que</a:t>
+            </a:r>
+            <a:r>
+              <a:rPr lang="en-US" dirty="0"/>
+              <a:t> </a:t>
+            </a:r>
+            <a:r>
+              <a:rPr lang="en-US" dirty="0" err="1"/>
+              <a:t>ingrese</a:t>
+            </a:r>
+            <a:r>
+              <a:rPr lang="en-US" dirty="0"/>
+              <a:t> el valor del </a:t>
+            </a:r>
+            <a:r>
+              <a:rPr lang="en-US" dirty="0" err="1"/>
+              <a:t>lado</a:t>
+            </a:r>
+            <a:r>
+              <a:rPr lang="en-US" dirty="0"/>
+              <a:t>, en </a:t>
+            </a:r>
+            <a:r>
+              <a:rPr lang="en-US" dirty="0" err="1"/>
+              <a:t>caso</a:t>
+            </a:r>
+            <a:r>
+              <a:rPr lang="en-US" dirty="0"/>
+              <a:t> del </a:t>
+            </a:r>
+            <a:r>
+              <a:rPr lang="en-US" dirty="0" err="1"/>
+              <a:t>cuadrado</a:t>
+            </a:r>
+            <a:r>
+              <a:rPr lang="en-US" dirty="0"/>
+              <a:t>, el valor de la base y la </a:t>
+            </a:r>
+            <a:r>
+              <a:rPr lang="en-US" dirty="0" err="1"/>
+              <a:t>altura</a:t>
+            </a:r>
+            <a:r>
+              <a:rPr lang="en-US" dirty="0"/>
+              <a:t>, en </a:t>
+            </a:r>
+            <a:r>
+              <a:rPr lang="en-US" dirty="0" err="1"/>
+              <a:t>caso</a:t>
+            </a:r>
+            <a:r>
+              <a:rPr lang="en-US" dirty="0"/>
+              <a:t> del </a:t>
+            </a:r>
+            <a:r>
+              <a:rPr lang="en-US" dirty="0" err="1"/>
+              <a:t>triángulo</a:t>
+            </a:r>
+            <a:r>
+              <a:rPr lang="en-US" dirty="0"/>
+              <a:t> y el radio en </a:t>
+            </a:r>
+            <a:r>
+              <a:rPr lang="en-US" dirty="0" err="1"/>
+              <a:t>caso</a:t>
+            </a:r>
+            <a:r>
+              <a:rPr lang="en-US" dirty="0"/>
+              <a:t> del </a:t>
+            </a:r>
+            <a:r>
+              <a:rPr lang="en-US" dirty="0" err="1"/>
+              <a:t>círculo</a:t>
+            </a:r>
+            <a:r>
+              <a:rPr lang="en-US" dirty="0"/>
+              <a:t>. Si </a:t>
+            </a:r>
+            <a:r>
+              <a:rPr lang="en-US" dirty="0" err="1"/>
+              <a:t>escogió</a:t>
+            </a:r>
+            <a:r>
+              <a:rPr lang="en-US" dirty="0"/>
+              <a:t> </a:t>
+            </a:r>
+            <a:r>
+              <a:rPr lang="en-US" dirty="0" err="1"/>
+              <a:t>perímetro</a:t>
+            </a:r>
+            <a:r>
+              <a:rPr lang="en-US" dirty="0"/>
+              <a:t> se le </a:t>
+            </a:r>
+            <a:r>
+              <a:rPr lang="en-US" dirty="0" err="1"/>
+              <a:t>pide</a:t>
+            </a:r>
+            <a:r>
+              <a:rPr lang="en-US" dirty="0"/>
+              <a:t> el valor de los </a:t>
+            </a:r>
+            <a:r>
+              <a:rPr lang="en-US" dirty="0" err="1"/>
+              <a:t>cuatro</a:t>
+            </a:r>
+            <a:r>
+              <a:rPr lang="en-US" dirty="0"/>
+              <a:t> </a:t>
+            </a:r>
+            <a:r>
+              <a:rPr lang="en-US" dirty="0" err="1"/>
+              <a:t>lados</a:t>
+            </a:r>
+            <a:r>
+              <a:rPr lang="en-US" dirty="0"/>
+              <a:t> en </a:t>
+            </a:r>
+            <a:r>
+              <a:rPr lang="en-US" dirty="0" err="1"/>
+              <a:t>caso</a:t>
+            </a:r>
+            <a:r>
+              <a:rPr lang="en-US" dirty="0"/>
+              <a:t> del </a:t>
+            </a:r>
+            <a:r>
+              <a:rPr lang="en-US" dirty="0" err="1"/>
+              <a:t>cuadrado</a:t>
+            </a:r>
+            <a:r>
+              <a:rPr lang="en-US" dirty="0"/>
+              <a:t>, </a:t>
+            </a:r>
+            <a:r>
+              <a:rPr lang="en-US" dirty="0" err="1"/>
+              <a:t>tres</a:t>
+            </a:r>
+            <a:r>
+              <a:rPr lang="en-US" dirty="0"/>
+              <a:t> </a:t>
+            </a:r>
+            <a:r>
+              <a:rPr lang="en-US" dirty="0" err="1"/>
+              <a:t>lados</a:t>
+            </a:r>
+            <a:r>
+              <a:rPr lang="en-US" dirty="0"/>
+              <a:t> en </a:t>
+            </a:r>
+            <a:r>
+              <a:rPr lang="en-US" dirty="0" err="1"/>
+              <a:t>caso</a:t>
+            </a:r>
+            <a:r>
+              <a:rPr lang="en-US" dirty="0"/>
+              <a:t> del </a:t>
+            </a:r>
+            <a:r>
+              <a:rPr lang="en-US" dirty="0" err="1"/>
+              <a:t>triángulo</a:t>
+            </a:r>
+            <a:r>
+              <a:rPr lang="en-US" dirty="0"/>
+              <a:t> y el radio en </a:t>
+            </a:r>
+            <a:r>
+              <a:rPr lang="en-US" dirty="0" err="1"/>
+              <a:t>caso</a:t>
+            </a:r>
+            <a:r>
+              <a:rPr lang="en-US" dirty="0"/>
+              <a:t> del </a:t>
+            </a:r>
+            <a:r>
+              <a:rPr lang="en-US" dirty="0" err="1"/>
+              <a:t>círculo</a:t>
+            </a:r>
+            <a:r>
+              <a:rPr lang="en-US" dirty="0"/>
+              <a:t> </a:t>
+            </a:r>
+            <a:r>
+              <a:rPr lang="en-US" dirty="0" err="1"/>
+              <a:t>Una</a:t>
+            </a:r>
+            <a:r>
+              <a:rPr lang="en-US" dirty="0"/>
+              <a:t> </a:t>
+            </a:r>
+            <a:r>
+              <a:rPr lang="en-US" dirty="0" err="1"/>
+              <a:t>vez</a:t>
+            </a:r>
+            <a:r>
+              <a:rPr lang="en-US" dirty="0"/>
+              <a:t> </a:t>
+            </a:r>
+            <a:r>
+              <a:rPr lang="en-US" dirty="0" err="1"/>
+              <a:t>que</a:t>
+            </a:r>
+            <a:r>
+              <a:rPr lang="en-US" dirty="0"/>
+              <a:t> </a:t>
+            </a:r>
+            <a:r>
+              <a:rPr lang="en-US" dirty="0" err="1"/>
+              <a:t>haya</a:t>
+            </a:r>
+            <a:r>
+              <a:rPr lang="en-US" dirty="0"/>
+              <a:t> </a:t>
+            </a:r>
+            <a:r>
+              <a:rPr lang="en-US" dirty="0" err="1"/>
+              <a:t>ingresado</a:t>
+            </a:r>
+            <a:r>
+              <a:rPr lang="en-US" dirty="0"/>
+              <a:t> </a:t>
+            </a:r>
+            <a:r>
+              <a:rPr lang="en-US" dirty="0" err="1"/>
+              <a:t>dicha</a:t>
+            </a:r>
+            <a:r>
+              <a:rPr lang="en-US" dirty="0"/>
+              <a:t> </a:t>
+            </a:r>
+            <a:r>
+              <a:rPr lang="en-US" dirty="0" err="1"/>
+              <a:t>información</a:t>
+            </a:r>
+            <a:r>
+              <a:rPr lang="en-US" dirty="0"/>
+              <a:t>, se le </a:t>
+            </a:r>
+            <a:r>
+              <a:rPr lang="en-US" dirty="0" err="1"/>
+              <a:t>despliega</a:t>
+            </a:r>
+            <a:r>
+              <a:rPr lang="en-US" dirty="0"/>
+              <a:t> el </a:t>
+            </a:r>
+            <a:r>
+              <a:rPr lang="en-US" dirty="0" err="1"/>
+              <a:t>resultado</a:t>
+            </a:r>
+            <a:r>
+              <a:rPr lang="en-US" dirty="0"/>
+              <a:t> del </a:t>
+            </a:r>
+            <a:r>
+              <a:rPr lang="en-US" dirty="0" err="1"/>
+              <a:t>cálculo</a:t>
+            </a:r>
+            <a:r>
+              <a:rPr lang="en-US" dirty="0"/>
+              <a:t> </a:t>
+            </a:r>
+            <a:r>
+              <a:rPr lang="en-US" dirty="0" err="1"/>
+              <a:t>solicitado</a:t>
+            </a:r>
+            <a:r>
+              <a:rPr lang="en-US" smtClean="0"/>
+              <a:t>.</a:t>
+            </a:r>
+            <a:endParaRPr lang="en-US" dirty="0"/>
+          </a:p>
+          <a:p>
+            <a:pPr lvl="1"/>
+            <a:endParaRPr lang="en-US" dirty="0" smtClean="0"/>
+          </a:p>
+          <a:p>
+            <a:pPr lvl="1"/>
+            <a:r>
+              <a:rPr lang="es-ES" dirty="0" smtClean="0"/>
+              <a:t>Dibuje </a:t>
+            </a:r>
+            <a:r>
+              <a:rPr lang="es-ES" dirty="0"/>
+              <a:t>el diagrama de flujo que represente este algoritmo</a:t>
+            </a:r>
+          </a:p>
+          <a:p>
+            <a:pPr lvl="1"/>
+            <a:endParaRPr lang="en-US" dirty="0" smtClean="0"/>
+          </a:p>
+        </p:txBody>
+      </p:sp>
+    </p:spTree>
+    <p:extLst>
+      <p:ext uri="{BB962C8B-B14F-4D97-AF65-F5344CB8AC3E}">
+        <p14:creationId xmlns:p14="http://schemas.microsoft.com/office/powerpoint/2010/main" val="2568166090"/>
       </p:ext>
     </p:extLst>
   </p:cSld>
@@ -6153,7 +7333,6 @@
               <a:rPr lang="en-US" dirty="0" smtClean="0"/>
               <a:t>.</a:t>
             </a:r>
-            <a:endParaRPr lang="en-US" dirty="0" smtClean="0"/>
           </a:p>
         </p:txBody>
       </p:sp>
